--- a/Agentic RAG Chatbot using MCP.pptx
+++ b/Agentic RAG Chatbot using MCP.pptx
@@ -7422,7 +7422,7 @@
       </p:sp>
       <p:pic>
         <p:nvPicPr>
-          <p:cNvPr id="67" name="Google Shape;67;p15" title="Untitled diagram _ Mermaid Chart-2025-09-22-120558.png"/>
+          <p:cNvPr id="67" name="Google Shape;67;p15" title="Agentic RAG Chatbot Architecture.png"/>
           <p:cNvPicPr preferRelativeResize="0"/>
           <p:nvPr/>
         </p:nvPicPr>
@@ -7437,7 +7437,7 @@
         <p:spPr>
           <a:xfrm>
             <a:off x="0" y="0"/>
-            <a:ext cx="9143998" cy="5143501"/>
+            <a:ext cx="9143999" cy="5143501"/>
           </a:xfrm>
           <a:prstGeom prst="rect">
             <a:avLst/>
